--- a/ppt 16-9/0236.看主钉眼.pptx
+++ b/ppt 16-9/0236.看主钉眼.pptx
@@ -5,7 +5,7 @@
     <p:sldMasterId id="2147483648" r:id="rId1"/>
   </p:sldMasterIdLst>
   <p:sldIdLst>
-    <p:sldId id="3066" r:id="rId2"/>
+    <p:sldId id="3068" r:id="rId2"/>
   </p:sldIdLst>
   <p:sldSz cx="12192000" cy="6858000"/>
   <p:notesSz cx="6858000" cy="9144000"/>
@@ -129,7 +129,7 @@
           <p:cNvPr id="2" name="标题 1">
             <a:extLst>
               <a:ext uri="{FF2B5EF4-FFF2-40B4-BE49-F238E27FC236}">
-                <a16:creationId xmlns:a16="http://schemas.microsoft.com/office/drawing/2014/main" id="{7E004306-E8AF-F2CB-9AF1-697211522102}"/>
+                <a16:creationId xmlns:a16="http://schemas.microsoft.com/office/drawing/2014/main" id="{68E96FFC-289B-AF5F-11C6-F84F9AA06803}"/>
               </a:ext>
             </a:extLst>
           </p:cNvPr>
@@ -166,7 +166,7 @@
           <p:cNvPr id="3" name="副标题 2">
             <a:extLst>
               <a:ext uri="{FF2B5EF4-FFF2-40B4-BE49-F238E27FC236}">
-                <a16:creationId xmlns:a16="http://schemas.microsoft.com/office/drawing/2014/main" id="{06D45C0E-EE39-C0E7-EE84-DF770A5CE430}"/>
+                <a16:creationId xmlns:a16="http://schemas.microsoft.com/office/drawing/2014/main" id="{E763E5B0-78A4-15B4-067F-D12A0751A2D7}"/>
               </a:ext>
             </a:extLst>
           </p:cNvPr>
@@ -236,7 +236,7 @@
           <p:cNvPr id="4" name="日期占位符 3">
             <a:extLst>
               <a:ext uri="{FF2B5EF4-FFF2-40B4-BE49-F238E27FC236}">
-                <a16:creationId xmlns:a16="http://schemas.microsoft.com/office/drawing/2014/main" id="{EBFCB7F0-8BBB-6D45-1449-EBC588208418}"/>
+                <a16:creationId xmlns:a16="http://schemas.microsoft.com/office/drawing/2014/main" id="{A6031717-E65D-3FD1-8611-DB793715F617}"/>
               </a:ext>
             </a:extLst>
           </p:cNvPr>
@@ -252,7 +252,7 @@
           <a:bodyPr/>
           <a:lstStyle/>
           <a:p>
-            <a:fld id="{5304C1CE-6683-41E2-8501-F6F32E131772}" type="datetimeFigureOut">
+            <a:fld id="{C1A9C0AE-46A0-4B85-8331-E22A62EA10EC}" type="datetimeFigureOut">
               <a:rPr lang="zh-CN" altLang="en-US" smtClean="0"/>
               <a:t>2024/3/10</a:t>
             </a:fld>
@@ -265,7 +265,7 @@
           <p:cNvPr id="5" name="页脚占位符 4">
             <a:extLst>
               <a:ext uri="{FF2B5EF4-FFF2-40B4-BE49-F238E27FC236}">
-                <a16:creationId xmlns:a16="http://schemas.microsoft.com/office/drawing/2014/main" id="{B628AFAF-F774-220F-3FAD-41A7B9FBA1B5}"/>
+                <a16:creationId xmlns:a16="http://schemas.microsoft.com/office/drawing/2014/main" id="{A3797BDF-6F01-00F1-3230-F2B52304BC9F}"/>
               </a:ext>
             </a:extLst>
           </p:cNvPr>
@@ -290,7 +290,7 @@
           <p:cNvPr id="6" name="灯片编号占位符 5">
             <a:extLst>
               <a:ext uri="{FF2B5EF4-FFF2-40B4-BE49-F238E27FC236}">
-                <a16:creationId xmlns:a16="http://schemas.microsoft.com/office/drawing/2014/main" id="{8D19D1AB-683B-26EB-057D-A0C180FB7315}"/>
+                <a16:creationId xmlns:a16="http://schemas.microsoft.com/office/drawing/2014/main" id="{CE105AA0-C6FD-3E5F-0DBF-02183C73999F}"/>
               </a:ext>
             </a:extLst>
           </p:cNvPr>
@@ -306,7 +306,7 @@
           <a:bodyPr/>
           <a:lstStyle/>
           <a:p>
-            <a:fld id="{C01E5E16-7B52-48A5-A7C4-EF7676E6D860}" type="slidenum">
+            <a:fld id="{2BA44464-86BF-421B-877E-B540834C1708}" type="slidenum">
               <a:rPr lang="zh-CN" altLang="en-US" smtClean="0"/>
               <a:t>‹#›</a:t>
             </a:fld>
@@ -317,7 +317,7 @@
     </p:spTree>
     <p:extLst>
       <p:ext uri="{BB962C8B-B14F-4D97-AF65-F5344CB8AC3E}">
-        <p14:creationId xmlns:p14="http://schemas.microsoft.com/office/powerpoint/2010/main" val="2891110612"/>
+        <p14:creationId xmlns:p14="http://schemas.microsoft.com/office/powerpoint/2010/main" val="2395247017"/>
       </p:ext>
     </p:extLst>
   </p:cSld>
@@ -349,7 +349,7 @@
           <p:cNvPr id="2" name="标题 1">
             <a:extLst>
               <a:ext uri="{FF2B5EF4-FFF2-40B4-BE49-F238E27FC236}">
-                <a16:creationId xmlns:a16="http://schemas.microsoft.com/office/drawing/2014/main" id="{8C1D83BE-7BA1-6DEF-C112-6F1B110BCCD1}"/>
+                <a16:creationId xmlns:a16="http://schemas.microsoft.com/office/drawing/2014/main" id="{80585995-DFD9-B2DB-79BC-5717C302A80B}"/>
               </a:ext>
             </a:extLst>
           </p:cNvPr>
@@ -377,7 +377,7 @@
           <p:cNvPr id="3" name="竖排文字占位符 2">
             <a:extLst>
               <a:ext uri="{FF2B5EF4-FFF2-40B4-BE49-F238E27FC236}">
-                <a16:creationId xmlns:a16="http://schemas.microsoft.com/office/drawing/2014/main" id="{6035C1DD-25E2-D7A3-CCFE-6E4D14FE5B8B}"/>
+                <a16:creationId xmlns:a16="http://schemas.microsoft.com/office/drawing/2014/main" id="{C1F44EB9-C14C-A374-3591-80F7976893A1}"/>
               </a:ext>
             </a:extLst>
           </p:cNvPr>
@@ -434,7 +434,7 @@
           <p:cNvPr id="4" name="日期占位符 3">
             <a:extLst>
               <a:ext uri="{FF2B5EF4-FFF2-40B4-BE49-F238E27FC236}">
-                <a16:creationId xmlns:a16="http://schemas.microsoft.com/office/drawing/2014/main" id="{53DBDDE2-8B5F-2634-9C2D-4AF4D40D0F53}"/>
+                <a16:creationId xmlns:a16="http://schemas.microsoft.com/office/drawing/2014/main" id="{C5A2390B-C216-6D60-2901-89777EC648BF}"/>
               </a:ext>
             </a:extLst>
           </p:cNvPr>
@@ -450,7 +450,7 @@
           <a:bodyPr/>
           <a:lstStyle/>
           <a:p>
-            <a:fld id="{5304C1CE-6683-41E2-8501-F6F32E131772}" type="datetimeFigureOut">
+            <a:fld id="{C1A9C0AE-46A0-4B85-8331-E22A62EA10EC}" type="datetimeFigureOut">
               <a:rPr lang="zh-CN" altLang="en-US" smtClean="0"/>
               <a:t>2024/3/10</a:t>
             </a:fld>
@@ -463,7 +463,7 @@
           <p:cNvPr id="5" name="页脚占位符 4">
             <a:extLst>
               <a:ext uri="{FF2B5EF4-FFF2-40B4-BE49-F238E27FC236}">
-                <a16:creationId xmlns:a16="http://schemas.microsoft.com/office/drawing/2014/main" id="{51CC58F6-BE10-B8DC-57AF-3A3ECA299D8E}"/>
+                <a16:creationId xmlns:a16="http://schemas.microsoft.com/office/drawing/2014/main" id="{7F5E93F6-280F-ACA2-5E28-2AC060F7A163}"/>
               </a:ext>
             </a:extLst>
           </p:cNvPr>
@@ -488,7 +488,7 @@
           <p:cNvPr id="6" name="灯片编号占位符 5">
             <a:extLst>
               <a:ext uri="{FF2B5EF4-FFF2-40B4-BE49-F238E27FC236}">
-                <a16:creationId xmlns:a16="http://schemas.microsoft.com/office/drawing/2014/main" id="{12C31E88-68F1-826C-B456-225DF2BBF291}"/>
+                <a16:creationId xmlns:a16="http://schemas.microsoft.com/office/drawing/2014/main" id="{5B7DE3DF-62E6-190D-D4C7-8562BB91CB88}"/>
               </a:ext>
             </a:extLst>
           </p:cNvPr>
@@ -504,7 +504,7 @@
           <a:bodyPr/>
           <a:lstStyle/>
           <a:p>
-            <a:fld id="{C01E5E16-7B52-48A5-A7C4-EF7676E6D860}" type="slidenum">
+            <a:fld id="{2BA44464-86BF-421B-877E-B540834C1708}" type="slidenum">
               <a:rPr lang="zh-CN" altLang="en-US" smtClean="0"/>
               <a:t>‹#›</a:t>
             </a:fld>
@@ -515,7 +515,7 @@
     </p:spTree>
     <p:extLst>
       <p:ext uri="{BB962C8B-B14F-4D97-AF65-F5344CB8AC3E}">
-        <p14:creationId xmlns:p14="http://schemas.microsoft.com/office/powerpoint/2010/main" val="3590996774"/>
+        <p14:creationId xmlns:p14="http://schemas.microsoft.com/office/powerpoint/2010/main" val="2363582158"/>
       </p:ext>
     </p:extLst>
   </p:cSld>
@@ -547,7 +547,7 @@
           <p:cNvPr id="2" name="竖排标题 1">
             <a:extLst>
               <a:ext uri="{FF2B5EF4-FFF2-40B4-BE49-F238E27FC236}">
-                <a16:creationId xmlns:a16="http://schemas.microsoft.com/office/drawing/2014/main" id="{AF439BEB-EB68-941C-ED09-FA53DA4CB62B}"/>
+                <a16:creationId xmlns:a16="http://schemas.microsoft.com/office/drawing/2014/main" id="{7A62D960-BC92-5A87-D159-B5DBFA191D68}"/>
               </a:ext>
             </a:extLst>
           </p:cNvPr>
@@ -580,7 +580,7 @@
           <p:cNvPr id="3" name="竖排文字占位符 2">
             <a:extLst>
               <a:ext uri="{FF2B5EF4-FFF2-40B4-BE49-F238E27FC236}">
-                <a16:creationId xmlns:a16="http://schemas.microsoft.com/office/drawing/2014/main" id="{7C052290-7B92-BA52-ABAF-C7AD488651DD}"/>
+                <a16:creationId xmlns:a16="http://schemas.microsoft.com/office/drawing/2014/main" id="{63A0AE7B-0F56-6206-9D20-9DB403A633C3}"/>
               </a:ext>
             </a:extLst>
           </p:cNvPr>
@@ -642,7 +642,7 @@
           <p:cNvPr id="4" name="日期占位符 3">
             <a:extLst>
               <a:ext uri="{FF2B5EF4-FFF2-40B4-BE49-F238E27FC236}">
-                <a16:creationId xmlns:a16="http://schemas.microsoft.com/office/drawing/2014/main" id="{D229E390-C17F-E10E-50B3-830892811AB8}"/>
+                <a16:creationId xmlns:a16="http://schemas.microsoft.com/office/drawing/2014/main" id="{2397A7F6-B6A1-460E-4E86-DAEDC2EB11FC}"/>
               </a:ext>
             </a:extLst>
           </p:cNvPr>
@@ -658,7 +658,7 @@
           <a:bodyPr/>
           <a:lstStyle/>
           <a:p>
-            <a:fld id="{5304C1CE-6683-41E2-8501-F6F32E131772}" type="datetimeFigureOut">
+            <a:fld id="{C1A9C0AE-46A0-4B85-8331-E22A62EA10EC}" type="datetimeFigureOut">
               <a:rPr lang="zh-CN" altLang="en-US" smtClean="0"/>
               <a:t>2024/3/10</a:t>
             </a:fld>
@@ -671,7 +671,7 @@
           <p:cNvPr id="5" name="页脚占位符 4">
             <a:extLst>
               <a:ext uri="{FF2B5EF4-FFF2-40B4-BE49-F238E27FC236}">
-                <a16:creationId xmlns:a16="http://schemas.microsoft.com/office/drawing/2014/main" id="{7EFCD9CE-7D34-0A28-F5A3-1FDAD5F8F55B}"/>
+                <a16:creationId xmlns:a16="http://schemas.microsoft.com/office/drawing/2014/main" id="{C35E9293-1FED-2AEC-CF8C-3E8B46DA0363}"/>
               </a:ext>
             </a:extLst>
           </p:cNvPr>
@@ -696,7 +696,7 @@
           <p:cNvPr id="6" name="灯片编号占位符 5">
             <a:extLst>
               <a:ext uri="{FF2B5EF4-FFF2-40B4-BE49-F238E27FC236}">
-                <a16:creationId xmlns:a16="http://schemas.microsoft.com/office/drawing/2014/main" id="{0BFA8166-16E1-4C68-9F9A-4B991E8E405E}"/>
+                <a16:creationId xmlns:a16="http://schemas.microsoft.com/office/drawing/2014/main" id="{51D65B0A-A0A6-FE17-10E9-4F67533DC2A1}"/>
               </a:ext>
             </a:extLst>
           </p:cNvPr>
@@ -712,7 +712,7 @@
           <a:bodyPr/>
           <a:lstStyle/>
           <a:p>
-            <a:fld id="{C01E5E16-7B52-48A5-A7C4-EF7676E6D860}" type="slidenum">
+            <a:fld id="{2BA44464-86BF-421B-877E-B540834C1708}" type="slidenum">
               <a:rPr lang="zh-CN" altLang="en-US" smtClean="0"/>
               <a:t>‹#›</a:t>
             </a:fld>
@@ -723,7 +723,7 @@
     </p:spTree>
     <p:extLst>
       <p:ext uri="{BB962C8B-B14F-4D97-AF65-F5344CB8AC3E}">
-        <p14:creationId xmlns:p14="http://schemas.microsoft.com/office/powerpoint/2010/main" val="1021467995"/>
+        <p14:creationId xmlns:p14="http://schemas.microsoft.com/office/powerpoint/2010/main" val="288234808"/>
       </p:ext>
     </p:extLst>
   </p:cSld>
@@ -755,7 +755,7 @@
           <p:cNvPr id="2" name="标题 1">
             <a:extLst>
               <a:ext uri="{FF2B5EF4-FFF2-40B4-BE49-F238E27FC236}">
-                <a16:creationId xmlns:a16="http://schemas.microsoft.com/office/drawing/2014/main" id="{D25A5952-433A-5736-958D-11BF69B686C0}"/>
+                <a16:creationId xmlns:a16="http://schemas.microsoft.com/office/drawing/2014/main" id="{0B839461-8710-22F3-D046-E11871FB1A4A}"/>
               </a:ext>
             </a:extLst>
           </p:cNvPr>
@@ -783,7 +783,7 @@
           <p:cNvPr id="3" name="内容占位符 2">
             <a:extLst>
               <a:ext uri="{FF2B5EF4-FFF2-40B4-BE49-F238E27FC236}">
-                <a16:creationId xmlns:a16="http://schemas.microsoft.com/office/drawing/2014/main" id="{3E71F0AB-9872-9125-EAFA-A7A581465EC3}"/>
+                <a16:creationId xmlns:a16="http://schemas.microsoft.com/office/drawing/2014/main" id="{EB374608-E7AD-EA77-8F3C-2E64CA546211}"/>
               </a:ext>
             </a:extLst>
           </p:cNvPr>
@@ -840,7 +840,7 @@
           <p:cNvPr id="4" name="日期占位符 3">
             <a:extLst>
               <a:ext uri="{FF2B5EF4-FFF2-40B4-BE49-F238E27FC236}">
-                <a16:creationId xmlns:a16="http://schemas.microsoft.com/office/drawing/2014/main" id="{DDFC83C8-58E3-AB6F-99DA-2A1C10B625D9}"/>
+                <a16:creationId xmlns:a16="http://schemas.microsoft.com/office/drawing/2014/main" id="{2E7175C7-CAFB-EEDB-B398-0059A5FCAEFB}"/>
               </a:ext>
             </a:extLst>
           </p:cNvPr>
@@ -856,7 +856,7 @@
           <a:bodyPr/>
           <a:lstStyle/>
           <a:p>
-            <a:fld id="{5304C1CE-6683-41E2-8501-F6F32E131772}" type="datetimeFigureOut">
+            <a:fld id="{C1A9C0AE-46A0-4B85-8331-E22A62EA10EC}" type="datetimeFigureOut">
               <a:rPr lang="zh-CN" altLang="en-US" smtClean="0"/>
               <a:t>2024/3/10</a:t>
             </a:fld>
@@ -869,7 +869,7 @@
           <p:cNvPr id="5" name="页脚占位符 4">
             <a:extLst>
               <a:ext uri="{FF2B5EF4-FFF2-40B4-BE49-F238E27FC236}">
-                <a16:creationId xmlns:a16="http://schemas.microsoft.com/office/drawing/2014/main" id="{33909AFA-8592-A3D3-7124-5C68585372C4}"/>
+                <a16:creationId xmlns:a16="http://schemas.microsoft.com/office/drawing/2014/main" id="{A4CF5F1E-BD29-39C7-AF20-FD0BF43EC785}"/>
               </a:ext>
             </a:extLst>
           </p:cNvPr>
@@ -894,7 +894,7 @@
           <p:cNvPr id="6" name="灯片编号占位符 5">
             <a:extLst>
               <a:ext uri="{FF2B5EF4-FFF2-40B4-BE49-F238E27FC236}">
-                <a16:creationId xmlns:a16="http://schemas.microsoft.com/office/drawing/2014/main" id="{EEA16C47-0D38-AD41-9389-0C058D03B1F8}"/>
+                <a16:creationId xmlns:a16="http://schemas.microsoft.com/office/drawing/2014/main" id="{0DE8BF7E-B10B-E99B-989E-6321CABB9ED9}"/>
               </a:ext>
             </a:extLst>
           </p:cNvPr>
@@ -910,7 +910,7 @@
           <a:bodyPr/>
           <a:lstStyle/>
           <a:p>
-            <a:fld id="{C01E5E16-7B52-48A5-A7C4-EF7676E6D860}" type="slidenum">
+            <a:fld id="{2BA44464-86BF-421B-877E-B540834C1708}" type="slidenum">
               <a:rPr lang="zh-CN" altLang="en-US" smtClean="0"/>
               <a:t>‹#›</a:t>
             </a:fld>
@@ -921,7 +921,7 @@
     </p:spTree>
     <p:extLst>
       <p:ext uri="{BB962C8B-B14F-4D97-AF65-F5344CB8AC3E}">
-        <p14:creationId xmlns:p14="http://schemas.microsoft.com/office/powerpoint/2010/main" val="4093456361"/>
+        <p14:creationId xmlns:p14="http://schemas.microsoft.com/office/powerpoint/2010/main" val="2516997626"/>
       </p:ext>
     </p:extLst>
   </p:cSld>
@@ -953,7 +953,7 @@
           <p:cNvPr id="2" name="标题 1">
             <a:extLst>
               <a:ext uri="{FF2B5EF4-FFF2-40B4-BE49-F238E27FC236}">
-                <a16:creationId xmlns:a16="http://schemas.microsoft.com/office/drawing/2014/main" id="{0E56F67B-0B95-A980-BFC4-84B9221D98EC}"/>
+                <a16:creationId xmlns:a16="http://schemas.microsoft.com/office/drawing/2014/main" id="{997EF832-603B-07E8-32DC-A71D6C762E62}"/>
               </a:ext>
             </a:extLst>
           </p:cNvPr>
@@ -990,7 +990,7 @@
           <p:cNvPr id="3" name="文本占位符 2">
             <a:extLst>
               <a:ext uri="{FF2B5EF4-FFF2-40B4-BE49-F238E27FC236}">
-                <a16:creationId xmlns:a16="http://schemas.microsoft.com/office/drawing/2014/main" id="{E8461963-D608-151E-0C4B-EBAA189D8498}"/>
+                <a16:creationId xmlns:a16="http://schemas.microsoft.com/office/drawing/2014/main" id="{0BEF5DFF-E47A-C989-DCF9-5DC8AA0B01B0}"/>
               </a:ext>
             </a:extLst>
           </p:cNvPr>
@@ -1115,7 +1115,7 @@
           <p:cNvPr id="4" name="日期占位符 3">
             <a:extLst>
               <a:ext uri="{FF2B5EF4-FFF2-40B4-BE49-F238E27FC236}">
-                <a16:creationId xmlns:a16="http://schemas.microsoft.com/office/drawing/2014/main" id="{5FA1E474-8B69-CA3B-DDFA-AB93BDA0CF67}"/>
+                <a16:creationId xmlns:a16="http://schemas.microsoft.com/office/drawing/2014/main" id="{4C4F4863-0FFC-07A0-0082-48A4DE5EBA5F}"/>
               </a:ext>
             </a:extLst>
           </p:cNvPr>
@@ -1131,7 +1131,7 @@
           <a:bodyPr/>
           <a:lstStyle/>
           <a:p>
-            <a:fld id="{5304C1CE-6683-41E2-8501-F6F32E131772}" type="datetimeFigureOut">
+            <a:fld id="{C1A9C0AE-46A0-4B85-8331-E22A62EA10EC}" type="datetimeFigureOut">
               <a:rPr lang="zh-CN" altLang="en-US" smtClean="0"/>
               <a:t>2024/3/10</a:t>
             </a:fld>
@@ -1144,7 +1144,7 @@
           <p:cNvPr id="5" name="页脚占位符 4">
             <a:extLst>
               <a:ext uri="{FF2B5EF4-FFF2-40B4-BE49-F238E27FC236}">
-                <a16:creationId xmlns:a16="http://schemas.microsoft.com/office/drawing/2014/main" id="{E28D6DFF-13EC-754D-5B7B-FABF71012B1C}"/>
+                <a16:creationId xmlns:a16="http://schemas.microsoft.com/office/drawing/2014/main" id="{310AFD17-013A-7069-F1B6-A20A0CC24FCD}"/>
               </a:ext>
             </a:extLst>
           </p:cNvPr>
@@ -1169,7 +1169,7 @@
           <p:cNvPr id="6" name="灯片编号占位符 5">
             <a:extLst>
               <a:ext uri="{FF2B5EF4-FFF2-40B4-BE49-F238E27FC236}">
-                <a16:creationId xmlns:a16="http://schemas.microsoft.com/office/drawing/2014/main" id="{0B6B3123-17E7-1469-E1DB-185D79FDF450}"/>
+                <a16:creationId xmlns:a16="http://schemas.microsoft.com/office/drawing/2014/main" id="{661DC897-8654-F874-6B32-D643D15531BD}"/>
               </a:ext>
             </a:extLst>
           </p:cNvPr>
@@ -1185,7 +1185,7 @@
           <a:bodyPr/>
           <a:lstStyle/>
           <a:p>
-            <a:fld id="{C01E5E16-7B52-48A5-A7C4-EF7676E6D860}" type="slidenum">
+            <a:fld id="{2BA44464-86BF-421B-877E-B540834C1708}" type="slidenum">
               <a:rPr lang="zh-CN" altLang="en-US" smtClean="0"/>
               <a:t>‹#›</a:t>
             </a:fld>
@@ -1196,7 +1196,7 @@
     </p:spTree>
     <p:extLst>
       <p:ext uri="{BB962C8B-B14F-4D97-AF65-F5344CB8AC3E}">
-        <p14:creationId xmlns:p14="http://schemas.microsoft.com/office/powerpoint/2010/main" val="1869910365"/>
+        <p14:creationId xmlns:p14="http://schemas.microsoft.com/office/powerpoint/2010/main" val="4231824016"/>
       </p:ext>
     </p:extLst>
   </p:cSld>
@@ -1228,7 +1228,7 @@
           <p:cNvPr id="2" name="标题 1">
             <a:extLst>
               <a:ext uri="{FF2B5EF4-FFF2-40B4-BE49-F238E27FC236}">
-                <a16:creationId xmlns:a16="http://schemas.microsoft.com/office/drawing/2014/main" id="{4B9A52C0-44AF-B432-1B51-06264ED69CB1}"/>
+                <a16:creationId xmlns:a16="http://schemas.microsoft.com/office/drawing/2014/main" id="{A5DEA1C7-728D-06C4-08DD-D42EF461151F}"/>
               </a:ext>
             </a:extLst>
           </p:cNvPr>
@@ -1256,7 +1256,7 @@
           <p:cNvPr id="3" name="内容占位符 2">
             <a:extLst>
               <a:ext uri="{FF2B5EF4-FFF2-40B4-BE49-F238E27FC236}">
-                <a16:creationId xmlns:a16="http://schemas.microsoft.com/office/drawing/2014/main" id="{08C7F505-C61D-B9BA-EA6F-238BEAF4CC53}"/>
+                <a16:creationId xmlns:a16="http://schemas.microsoft.com/office/drawing/2014/main" id="{2CFE332D-7DB4-DC03-1BC4-909887D042E6}"/>
               </a:ext>
             </a:extLst>
           </p:cNvPr>
@@ -1318,7 +1318,7 @@
           <p:cNvPr id="4" name="内容占位符 3">
             <a:extLst>
               <a:ext uri="{FF2B5EF4-FFF2-40B4-BE49-F238E27FC236}">
-                <a16:creationId xmlns:a16="http://schemas.microsoft.com/office/drawing/2014/main" id="{70ACB9C5-7339-315A-7784-6FE779AA6C6A}"/>
+                <a16:creationId xmlns:a16="http://schemas.microsoft.com/office/drawing/2014/main" id="{0A872817-05F8-90B3-4413-0B1583455718}"/>
               </a:ext>
             </a:extLst>
           </p:cNvPr>
@@ -1380,7 +1380,7 @@
           <p:cNvPr id="5" name="日期占位符 4">
             <a:extLst>
               <a:ext uri="{FF2B5EF4-FFF2-40B4-BE49-F238E27FC236}">
-                <a16:creationId xmlns:a16="http://schemas.microsoft.com/office/drawing/2014/main" id="{19064300-D1EF-F9EB-798D-367B6D791005}"/>
+                <a16:creationId xmlns:a16="http://schemas.microsoft.com/office/drawing/2014/main" id="{749F2A97-018C-8AE1-0063-CF2A6CC1B020}"/>
               </a:ext>
             </a:extLst>
           </p:cNvPr>
@@ -1396,7 +1396,7 @@
           <a:bodyPr/>
           <a:lstStyle/>
           <a:p>
-            <a:fld id="{5304C1CE-6683-41E2-8501-F6F32E131772}" type="datetimeFigureOut">
+            <a:fld id="{C1A9C0AE-46A0-4B85-8331-E22A62EA10EC}" type="datetimeFigureOut">
               <a:rPr lang="zh-CN" altLang="en-US" smtClean="0"/>
               <a:t>2024/3/10</a:t>
             </a:fld>
@@ -1409,7 +1409,7 @@
           <p:cNvPr id="6" name="页脚占位符 5">
             <a:extLst>
               <a:ext uri="{FF2B5EF4-FFF2-40B4-BE49-F238E27FC236}">
-                <a16:creationId xmlns:a16="http://schemas.microsoft.com/office/drawing/2014/main" id="{31B1191D-3724-2EA2-0460-227E2547E5B2}"/>
+                <a16:creationId xmlns:a16="http://schemas.microsoft.com/office/drawing/2014/main" id="{2D005D27-7E49-E9C4-3D78-3B9F8AF8CB49}"/>
               </a:ext>
             </a:extLst>
           </p:cNvPr>
@@ -1434,7 +1434,7 @@
           <p:cNvPr id="7" name="灯片编号占位符 6">
             <a:extLst>
               <a:ext uri="{FF2B5EF4-FFF2-40B4-BE49-F238E27FC236}">
-                <a16:creationId xmlns:a16="http://schemas.microsoft.com/office/drawing/2014/main" id="{5E470992-C863-9E6C-AA70-CC21D392ADFE}"/>
+                <a16:creationId xmlns:a16="http://schemas.microsoft.com/office/drawing/2014/main" id="{C7645243-CE40-2914-F44B-DA3F2807BB75}"/>
               </a:ext>
             </a:extLst>
           </p:cNvPr>
@@ -1450,7 +1450,7 @@
           <a:bodyPr/>
           <a:lstStyle/>
           <a:p>
-            <a:fld id="{C01E5E16-7B52-48A5-A7C4-EF7676E6D860}" type="slidenum">
+            <a:fld id="{2BA44464-86BF-421B-877E-B540834C1708}" type="slidenum">
               <a:rPr lang="zh-CN" altLang="en-US" smtClean="0"/>
               <a:t>‹#›</a:t>
             </a:fld>
@@ -1461,7 +1461,7 @@
     </p:spTree>
     <p:extLst>
       <p:ext uri="{BB962C8B-B14F-4D97-AF65-F5344CB8AC3E}">
-        <p14:creationId xmlns:p14="http://schemas.microsoft.com/office/powerpoint/2010/main" val="1355273046"/>
+        <p14:creationId xmlns:p14="http://schemas.microsoft.com/office/powerpoint/2010/main" val="312137614"/>
       </p:ext>
     </p:extLst>
   </p:cSld>
@@ -1493,7 +1493,7 @@
           <p:cNvPr id="2" name="标题 1">
             <a:extLst>
               <a:ext uri="{FF2B5EF4-FFF2-40B4-BE49-F238E27FC236}">
-                <a16:creationId xmlns:a16="http://schemas.microsoft.com/office/drawing/2014/main" id="{03A584A7-5937-3F2A-2996-D886CAE3D736}"/>
+                <a16:creationId xmlns:a16="http://schemas.microsoft.com/office/drawing/2014/main" id="{1BCD6A14-95CB-1C2A-2126-D31D1B4281BF}"/>
               </a:ext>
             </a:extLst>
           </p:cNvPr>
@@ -1526,7 +1526,7 @@
           <p:cNvPr id="3" name="文本占位符 2">
             <a:extLst>
               <a:ext uri="{FF2B5EF4-FFF2-40B4-BE49-F238E27FC236}">
-                <a16:creationId xmlns:a16="http://schemas.microsoft.com/office/drawing/2014/main" id="{95772376-6160-A871-284A-B0D35767B32F}"/>
+                <a16:creationId xmlns:a16="http://schemas.microsoft.com/office/drawing/2014/main" id="{9C4B65BF-D927-901A-DB90-B3918A4DE394}"/>
               </a:ext>
             </a:extLst>
           </p:cNvPr>
@@ -1597,7 +1597,7 @@
           <p:cNvPr id="4" name="内容占位符 3">
             <a:extLst>
               <a:ext uri="{FF2B5EF4-FFF2-40B4-BE49-F238E27FC236}">
-                <a16:creationId xmlns:a16="http://schemas.microsoft.com/office/drawing/2014/main" id="{84907FBE-60A7-F1CD-41CD-B567FBF09B55}"/>
+                <a16:creationId xmlns:a16="http://schemas.microsoft.com/office/drawing/2014/main" id="{FE58161A-2466-9D42-97A5-2CD0FFFD6041}"/>
               </a:ext>
             </a:extLst>
           </p:cNvPr>
@@ -1659,7 +1659,7 @@
           <p:cNvPr id="5" name="文本占位符 4">
             <a:extLst>
               <a:ext uri="{FF2B5EF4-FFF2-40B4-BE49-F238E27FC236}">
-                <a16:creationId xmlns:a16="http://schemas.microsoft.com/office/drawing/2014/main" id="{86465661-F114-CE5C-6090-1966614C5EBE}"/>
+                <a16:creationId xmlns:a16="http://schemas.microsoft.com/office/drawing/2014/main" id="{DE9D9603-0238-3D33-F660-5B88A04DF80C}"/>
               </a:ext>
             </a:extLst>
           </p:cNvPr>
@@ -1730,7 +1730,7 @@
           <p:cNvPr id="6" name="内容占位符 5">
             <a:extLst>
               <a:ext uri="{FF2B5EF4-FFF2-40B4-BE49-F238E27FC236}">
-                <a16:creationId xmlns:a16="http://schemas.microsoft.com/office/drawing/2014/main" id="{3FFCD2E3-442D-4CA9-7018-8D0010CA2EF5}"/>
+                <a16:creationId xmlns:a16="http://schemas.microsoft.com/office/drawing/2014/main" id="{AACECE0C-EB71-0311-C1AB-207502321FA3}"/>
               </a:ext>
             </a:extLst>
           </p:cNvPr>
@@ -1792,7 +1792,7 @@
           <p:cNvPr id="7" name="日期占位符 6">
             <a:extLst>
               <a:ext uri="{FF2B5EF4-FFF2-40B4-BE49-F238E27FC236}">
-                <a16:creationId xmlns:a16="http://schemas.microsoft.com/office/drawing/2014/main" id="{235A696B-ACC6-6EFC-A1D4-F3CFBB7D8A0D}"/>
+                <a16:creationId xmlns:a16="http://schemas.microsoft.com/office/drawing/2014/main" id="{88C6ED9C-FB1F-85C5-8B6C-61EC69FAF976}"/>
               </a:ext>
             </a:extLst>
           </p:cNvPr>
@@ -1808,7 +1808,7 @@
           <a:bodyPr/>
           <a:lstStyle/>
           <a:p>
-            <a:fld id="{5304C1CE-6683-41E2-8501-F6F32E131772}" type="datetimeFigureOut">
+            <a:fld id="{C1A9C0AE-46A0-4B85-8331-E22A62EA10EC}" type="datetimeFigureOut">
               <a:rPr lang="zh-CN" altLang="en-US" smtClean="0"/>
               <a:t>2024/3/10</a:t>
             </a:fld>
@@ -1821,7 +1821,7 @@
           <p:cNvPr id="8" name="页脚占位符 7">
             <a:extLst>
               <a:ext uri="{FF2B5EF4-FFF2-40B4-BE49-F238E27FC236}">
-                <a16:creationId xmlns:a16="http://schemas.microsoft.com/office/drawing/2014/main" id="{573602C6-8E25-3299-0B53-248A7094F616}"/>
+                <a16:creationId xmlns:a16="http://schemas.microsoft.com/office/drawing/2014/main" id="{2B80DC05-3B32-60B6-0866-C931164F71B5}"/>
               </a:ext>
             </a:extLst>
           </p:cNvPr>
@@ -1846,7 +1846,7 @@
           <p:cNvPr id="9" name="灯片编号占位符 8">
             <a:extLst>
               <a:ext uri="{FF2B5EF4-FFF2-40B4-BE49-F238E27FC236}">
-                <a16:creationId xmlns:a16="http://schemas.microsoft.com/office/drawing/2014/main" id="{37B31CFB-7939-2456-43D0-C4E5AB5D6415}"/>
+                <a16:creationId xmlns:a16="http://schemas.microsoft.com/office/drawing/2014/main" id="{C75C6880-75C5-879A-0742-59C4B12F6797}"/>
               </a:ext>
             </a:extLst>
           </p:cNvPr>
@@ -1862,7 +1862,7 @@
           <a:bodyPr/>
           <a:lstStyle/>
           <a:p>
-            <a:fld id="{C01E5E16-7B52-48A5-A7C4-EF7676E6D860}" type="slidenum">
+            <a:fld id="{2BA44464-86BF-421B-877E-B540834C1708}" type="slidenum">
               <a:rPr lang="zh-CN" altLang="en-US" smtClean="0"/>
               <a:t>‹#›</a:t>
             </a:fld>
@@ -1873,7 +1873,7 @@
     </p:spTree>
     <p:extLst>
       <p:ext uri="{BB962C8B-B14F-4D97-AF65-F5344CB8AC3E}">
-        <p14:creationId xmlns:p14="http://schemas.microsoft.com/office/powerpoint/2010/main" val="1539278135"/>
+        <p14:creationId xmlns:p14="http://schemas.microsoft.com/office/powerpoint/2010/main" val="2904791932"/>
       </p:ext>
     </p:extLst>
   </p:cSld>
@@ -1905,7 +1905,7 @@
           <p:cNvPr id="2" name="标题 1">
             <a:extLst>
               <a:ext uri="{FF2B5EF4-FFF2-40B4-BE49-F238E27FC236}">
-                <a16:creationId xmlns:a16="http://schemas.microsoft.com/office/drawing/2014/main" id="{76FE89B6-F33D-2C27-355B-9EBB367F804E}"/>
+                <a16:creationId xmlns:a16="http://schemas.microsoft.com/office/drawing/2014/main" id="{AAD18806-E740-1103-3098-F9F59A2F8215}"/>
               </a:ext>
             </a:extLst>
           </p:cNvPr>
@@ -1933,7 +1933,7 @@
           <p:cNvPr id="3" name="日期占位符 2">
             <a:extLst>
               <a:ext uri="{FF2B5EF4-FFF2-40B4-BE49-F238E27FC236}">
-                <a16:creationId xmlns:a16="http://schemas.microsoft.com/office/drawing/2014/main" id="{FF9185B7-9CC4-1960-DB20-51ACFFC821C7}"/>
+                <a16:creationId xmlns:a16="http://schemas.microsoft.com/office/drawing/2014/main" id="{44E3C4BE-A544-6BCC-4B17-9CFD8F386DEC}"/>
               </a:ext>
             </a:extLst>
           </p:cNvPr>
@@ -1949,7 +1949,7 @@
           <a:bodyPr/>
           <a:lstStyle/>
           <a:p>
-            <a:fld id="{5304C1CE-6683-41E2-8501-F6F32E131772}" type="datetimeFigureOut">
+            <a:fld id="{C1A9C0AE-46A0-4B85-8331-E22A62EA10EC}" type="datetimeFigureOut">
               <a:rPr lang="zh-CN" altLang="en-US" smtClean="0"/>
               <a:t>2024/3/10</a:t>
             </a:fld>
@@ -1962,7 +1962,7 @@
           <p:cNvPr id="4" name="页脚占位符 3">
             <a:extLst>
               <a:ext uri="{FF2B5EF4-FFF2-40B4-BE49-F238E27FC236}">
-                <a16:creationId xmlns:a16="http://schemas.microsoft.com/office/drawing/2014/main" id="{4DF8DB34-4C39-0CDA-AC2C-7C283EE728A1}"/>
+                <a16:creationId xmlns:a16="http://schemas.microsoft.com/office/drawing/2014/main" id="{AE7C53A0-EF33-FE02-F60F-80D5EE1FA629}"/>
               </a:ext>
             </a:extLst>
           </p:cNvPr>
@@ -1987,7 +1987,7 @@
           <p:cNvPr id="5" name="灯片编号占位符 4">
             <a:extLst>
               <a:ext uri="{FF2B5EF4-FFF2-40B4-BE49-F238E27FC236}">
-                <a16:creationId xmlns:a16="http://schemas.microsoft.com/office/drawing/2014/main" id="{16E20D7A-1DBF-F733-AF1D-ACA0B4161A0A}"/>
+                <a16:creationId xmlns:a16="http://schemas.microsoft.com/office/drawing/2014/main" id="{64BCCB3D-DEA7-CA95-D591-19F14E9C1AA2}"/>
               </a:ext>
             </a:extLst>
           </p:cNvPr>
@@ -2003,7 +2003,7 @@
           <a:bodyPr/>
           <a:lstStyle/>
           <a:p>
-            <a:fld id="{C01E5E16-7B52-48A5-A7C4-EF7676E6D860}" type="slidenum">
+            <a:fld id="{2BA44464-86BF-421B-877E-B540834C1708}" type="slidenum">
               <a:rPr lang="zh-CN" altLang="en-US" smtClean="0"/>
               <a:t>‹#›</a:t>
             </a:fld>
@@ -2014,7 +2014,7 @@
     </p:spTree>
     <p:extLst>
       <p:ext uri="{BB962C8B-B14F-4D97-AF65-F5344CB8AC3E}">
-        <p14:creationId xmlns:p14="http://schemas.microsoft.com/office/powerpoint/2010/main" val="3478848695"/>
+        <p14:creationId xmlns:p14="http://schemas.microsoft.com/office/powerpoint/2010/main" val="1898607244"/>
       </p:ext>
     </p:extLst>
   </p:cSld>
@@ -2046,7 +2046,7 @@
           <p:cNvPr id="2" name="日期占位符 1">
             <a:extLst>
               <a:ext uri="{FF2B5EF4-FFF2-40B4-BE49-F238E27FC236}">
-                <a16:creationId xmlns:a16="http://schemas.microsoft.com/office/drawing/2014/main" id="{F2DD21DC-FB90-F544-ED43-9784CE6D18A7}"/>
+                <a16:creationId xmlns:a16="http://schemas.microsoft.com/office/drawing/2014/main" id="{12C6AFF7-6357-7022-E960-69FA8B25681B}"/>
               </a:ext>
             </a:extLst>
           </p:cNvPr>
@@ -2062,7 +2062,7 @@
           <a:bodyPr/>
           <a:lstStyle/>
           <a:p>
-            <a:fld id="{5304C1CE-6683-41E2-8501-F6F32E131772}" type="datetimeFigureOut">
+            <a:fld id="{C1A9C0AE-46A0-4B85-8331-E22A62EA10EC}" type="datetimeFigureOut">
               <a:rPr lang="zh-CN" altLang="en-US" smtClean="0"/>
               <a:t>2024/3/10</a:t>
             </a:fld>
@@ -2075,7 +2075,7 @@
           <p:cNvPr id="3" name="页脚占位符 2">
             <a:extLst>
               <a:ext uri="{FF2B5EF4-FFF2-40B4-BE49-F238E27FC236}">
-                <a16:creationId xmlns:a16="http://schemas.microsoft.com/office/drawing/2014/main" id="{2FB87A89-3476-7B18-7D64-F8759102400E}"/>
+                <a16:creationId xmlns:a16="http://schemas.microsoft.com/office/drawing/2014/main" id="{E520CB39-7BB7-57F0-EB01-ACC7A25AE21C}"/>
               </a:ext>
             </a:extLst>
           </p:cNvPr>
@@ -2100,7 +2100,7 @@
           <p:cNvPr id="4" name="灯片编号占位符 3">
             <a:extLst>
               <a:ext uri="{FF2B5EF4-FFF2-40B4-BE49-F238E27FC236}">
-                <a16:creationId xmlns:a16="http://schemas.microsoft.com/office/drawing/2014/main" id="{B4993D27-1197-7BD9-2050-ABA44AABA220}"/>
+                <a16:creationId xmlns:a16="http://schemas.microsoft.com/office/drawing/2014/main" id="{587A77E3-37AA-3B76-0F2A-B62271B9B857}"/>
               </a:ext>
             </a:extLst>
           </p:cNvPr>
@@ -2116,7 +2116,7 @@
           <a:bodyPr/>
           <a:lstStyle/>
           <a:p>
-            <a:fld id="{C01E5E16-7B52-48A5-A7C4-EF7676E6D860}" type="slidenum">
+            <a:fld id="{2BA44464-86BF-421B-877E-B540834C1708}" type="slidenum">
               <a:rPr lang="zh-CN" altLang="en-US" smtClean="0"/>
               <a:t>‹#›</a:t>
             </a:fld>
@@ -2127,7 +2127,7 @@
     </p:spTree>
     <p:extLst>
       <p:ext uri="{BB962C8B-B14F-4D97-AF65-F5344CB8AC3E}">
-        <p14:creationId xmlns:p14="http://schemas.microsoft.com/office/powerpoint/2010/main" val="1379848316"/>
+        <p14:creationId xmlns:p14="http://schemas.microsoft.com/office/powerpoint/2010/main" val="523223864"/>
       </p:ext>
     </p:extLst>
   </p:cSld>
@@ -2159,7 +2159,7 @@
           <p:cNvPr id="2" name="标题 1">
             <a:extLst>
               <a:ext uri="{FF2B5EF4-FFF2-40B4-BE49-F238E27FC236}">
-                <a16:creationId xmlns:a16="http://schemas.microsoft.com/office/drawing/2014/main" id="{226263B6-8B26-21A5-2AEC-84F6DF4D69FF}"/>
+                <a16:creationId xmlns:a16="http://schemas.microsoft.com/office/drawing/2014/main" id="{8E21C1CA-801A-0B27-C662-8A8D09E62E45}"/>
               </a:ext>
             </a:extLst>
           </p:cNvPr>
@@ -2196,7 +2196,7 @@
           <p:cNvPr id="3" name="内容占位符 2">
             <a:extLst>
               <a:ext uri="{FF2B5EF4-FFF2-40B4-BE49-F238E27FC236}">
-                <a16:creationId xmlns:a16="http://schemas.microsoft.com/office/drawing/2014/main" id="{D2BA032D-0708-C342-FC47-3F2358C13A47}"/>
+                <a16:creationId xmlns:a16="http://schemas.microsoft.com/office/drawing/2014/main" id="{851A1000-8FCF-7F59-B693-375A1215F81B}"/>
               </a:ext>
             </a:extLst>
           </p:cNvPr>
@@ -2286,7 +2286,7 @@
           <p:cNvPr id="4" name="文本占位符 3">
             <a:extLst>
               <a:ext uri="{FF2B5EF4-FFF2-40B4-BE49-F238E27FC236}">
-                <a16:creationId xmlns:a16="http://schemas.microsoft.com/office/drawing/2014/main" id="{A8BCC000-C19B-C486-15F2-E69A47462B22}"/>
+                <a16:creationId xmlns:a16="http://schemas.microsoft.com/office/drawing/2014/main" id="{27197D4C-1B36-3AD3-13B1-21C2FE97F893}"/>
               </a:ext>
             </a:extLst>
           </p:cNvPr>
@@ -2357,7 +2357,7 @@
           <p:cNvPr id="5" name="日期占位符 4">
             <a:extLst>
               <a:ext uri="{FF2B5EF4-FFF2-40B4-BE49-F238E27FC236}">
-                <a16:creationId xmlns:a16="http://schemas.microsoft.com/office/drawing/2014/main" id="{8F30166A-9362-2CA7-4A94-41CB5D092820}"/>
+                <a16:creationId xmlns:a16="http://schemas.microsoft.com/office/drawing/2014/main" id="{09B8ABA2-323F-C2DE-48C9-87F57C983FE0}"/>
               </a:ext>
             </a:extLst>
           </p:cNvPr>
@@ -2373,7 +2373,7 @@
           <a:bodyPr/>
           <a:lstStyle/>
           <a:p>
-            <a:fld id="{5304C1CE-6683-41E2-8501-F6F32E131772}" type="datetimeFigureOut">
+            <a:fld id="{C1A9C0AE-46A0-4B85-8331-E22A62EA10EC}" type="datetimeFigureOut">
               <a:rPr lang="zh-CN" altLang="en-US" smtClean="0"/>
               <a:t>2024/3/10</a:t>
             </a:fld>
@@ -2386,7 +2386,7 @@
           <p:cNvPr id="6" name="页脚占位符 5">
             <a:extLst>
               <a:ext uri="{FF2B5EF4-FFF2-40B4-BE49-F238E27FC236}">
-                <a16:creationId xmlns:a16="http://schemas.microsoft.com/office/drawing/2014/main" id="{A40380BD-CAE4-C2A5-4197-3FF37B5D1701}"/>
+                <a16:creationId xmlns:a16="http://schemas.microsoft.com/office/drawing/2014/main" id="{D6F3093C-C3C8-76B3-F71A-C2D0F7BE1C8D}"/>
               </a:ext>
             </a:extLst>
           </p:cNvPr>
@@ -2411,7 +2411,7 @@
           <p:cNvPr id="7" name="灯片编号占位符 6">
             <a:extLst>
               <a:ext uri="{FF2B5EF4-FFF2-40B4-BE49-F238E27FC236}">
-                <a16:creationId xmlns:a16="http://schemas.microsoft.com/office/drawing/2014/main" id="{52F2FC1A-81EA-C4FD-088F-9D0A0C15BF2C}"/>
+                <a16:creationId xmlns:a16="http://schemas.microsoft.com/office/drawing/2014/main" id="{A03C385A-4DEC-0068-4380-34FB16663349}"/>
               </a:ext>
             </a:extLst>
           </p:cNvPr>
@@ -2427,7 +2427,7 @@
           <a:bodyPr/>
           <a:lstStyle/>
           <a:p>
-            <a:fld id="{C01E5E16-7B52-48A5-A7C4-EF7676E6D860}" type="slidenum">
+            <a:fld id="{2BA44464-86BF-421B-877E-B540834C1708}" type="slidenum">
               <a:rPr lang="zh-CN" altLang="en-US" smtClean="0"/>
               <a:t>‹#›</a:t>
             </a:fld>
@@ -2438,7 +2438,7 @@
     </p:spTree>
     <p:extLst>
       <p:ext uri="{BB962C8B-B14F-4D97-AF65-F5344CB8AC3E}">
-        <p14:creationId xmlns:p14="http://schemas.microsoft.com/office/powerpoint/2010/main" val="8581555"/>
+        <p14:creationId xmlns:p14="http://schemas.microsoft.com/office/powerpoint/2010/main" val="4031782113"/>
       </p:ext>
     </p:extLst>
   </p:cSld>
@@ -2470,7 +2470,7 @@
           <p:cNvPr id="2" name="标题 1">
             <a:extLst>
               <a:ext uri="{FF2B5EF4-FFF2-40B4-BE49-F238E27FC236}">
-                <a16:creationId xmlns:a16="http://schemas.microsoft.com/office/drawing/2014/main" id="{80E52540-6BEF-6232-4B5D-9397148E7640}"/>
+                <a16:creationId xmlns:a16="http://schemas.microsoft.com/office/drawing/2014/main" id="{75D839F3-F19E-0558-0255-E7D5E87C38D3}"/>
               </a:ext>
             </a:extLst>
           </p:cNvPr>
@@ -2507,7 +2507,7 @@
           <p:cNvPr id="3" name="图片占位符 2">
             <a:extLst>
               <a:ext uri="{FF2B5EF4-FFF2-40B4-BE49-F238E27FC236}">
-                <a16:creationId xmlns:a16="http://schemas.microsoft.com/office/drawing/2014/main" id="{C25CF8C9-1FAB-0B7F-3F7F-D2F7E44F4014}"/>
+                <a16:creationId xmlns:a16="http://schemas.microsoft.com/office/drawing/2014/main" id="{994172D1-4D7E-2426-33B6-E04C8EEB246C}"/>
               </a:ext>
             </a:extLst>
           </p:cNvPr>
@@ -2574,7 +2574,7 @@
           <p:cNvPr id="4" name="文本占位符 3">
             <a:extLst>
               <a:ext uri="{FF2B5EF4-FFF2-40B4-BE49-F238E27FC236}">
-                <a16:creationId xmlns:a16="http://schemas.microsoft.com/office/drawing/2014/main" id="{6CEA3A40-3418-A815-DD82-BAD9960C09F3}"/>
+                <a16:creationId xmlns:a16="http://schemas.microsoft.com/office/drawing/2014/main" id="{4B1EC685-7942-B505-128D-D405DEEEC5FD}"/>
               </a:ext>
             </a:extLst>
           </p:cNvPr>
@@ -2645,7 +2645,7 @@
           <p:cNvPr id="5" name="日期占位符 4">
             <a:extLst>
               <a:ext uri="{FF2B5EF4-FFF2-40B4-BE49-F238E27FC236}">
-                <a16:creationId xmlns:a16="http://schemas.microsoft.com/office/drawing/2014/main" id="{38605D43-CF6C-ABE1-A37A-2E116DF9EAF9}"/>
+                <a16:creationId xmlns:a16="http://schemas.microsoft.com/office/drawing/2014/main" id="{6FA69425-35B4-6059-9C13-11F829A1810C}"/>
               </a:ext>
             </a:extLst>
           </p:cNvPr>
@@ -2661,7 +2661,7 @@
           <a:bodyPr/>
           <a:lstStyle/>
           <a:p>
-            <a:fld id="{5304C1CE-6683-41E2-8501-F6F32E131772}" type="datetimeFigureOut">
+            <a:fld id="{C1A9C0AE-46A0-4B85-8331-E22A62EA10EC}" type="datetimeFigureOut">
               <a:rPr lang="zh-CN" altLang="en-US" smtClean="0"/>
               <a:t>2024/3/10</a:t>
             </a:fld>
@@ -2674,7 +2674,7 @@
           <p:cNvPr id="6" name="页脚占位符 5">
             <a:extLst>
               <a:ext uri="{FF2B5EF4-FFF2-40B4-BE49-F238E27FC236}">
-                <a16:creationId xmlns:a16="http://schemas.microsoft.com/office/drawing/2014/main" id="{A811B6FF-2A1C-A309-23C5-DB20500BE164}"/>
+                <a16:creationId xmlns:a16="http://schemas.microsoft.com/office/drawing/2014/main" id="{6DA464A7-8369-62B6-E70F-2B7C800061B9}"/>
               </a:ext>
             </a:extLst>
           </p:cNvPr>
@@ -2699,7 +2699,7 @@
           <p:cNvPr id="7" name="灯片编号占位符 6">
             <a:extLst>
               <a:ext uri="{FF2B5EF4-FFF2-40B4-BE49-F238E27FC236}">
-                <a16:creationId xmlns:a16="http://schemas.microsoft.com/office/drawing/2014/main" id="{07148DBF-2C68-13AC-8CA0-D89C3C199549}"/>
+                <a16:creationId xmlns:a16="http://schemas.microsoft.com/office/drawing/2014/main" id="{5C0C1E80-BF71-1026-3DA7-84C3230ED281}"/>
               </a:ext>
             </a:extLst>
           </p:cNvPr>
@@ -2715,7 +2715,7 @@
           <a:bodyPr/>
           <a:lstStyle/>
           <a:p>
-            <a:fld id="{C01E5E16-7B52-48A5-A7C4-EF7676E6D860}" type="slidenum">
+            <a:fld id="{2BA44464-86BF-421B-877E-B540834C1708}" type="slidenum">
               <a:rPr lang="zh-CN" altLang="en-US" smtClean="0"/>
               <a:t>‹#›</a:t>
             </a:fld>
@@ -2726,7 +2726,7 @@
     </p:spTree>
     <p:extLst>
       <p:ext uri="{BB962C8B-B14F-4D97-AF65-F5344CB8AC3E}">
-        <p14:creationId xmlns:p14="http://schemas.microsoft.com/office/powerpoint/2010/main" val="1926826445"/>
+        <p14:creationId xmlns:p14="http://schemas.microsoft.com/office/powerpoint/2010/main" val="1114169711"/>
       </p:ext>
     </p:extLst>
   </p:cSld>
@@ -2763,7 +2763,7 @@
           <p:cNvPr id="2" name="标题占位符 1">
             <a:extLst>
               <a:ext uri="{FF2B5EF4-FFF2-40B4-BE49-F238E27FC236}">
-                <a16:creationId xmlns:a16="http://schemas.microsoft.com/office/drawing/2014/main" id="{BF26B0F2-E3A5-585E-2A7B-5BCC43742936}"/>
+                <a16:creationId xmlns:a16="http://schemas.microsoft.com/office/drawing/2014/main" id="{ED783822-89E5-5F95-4816-13CA5ABAAD6B}"/>
               </a:ext>
             </a:extLst>
           </p:cNvPr>
@@ -2801,7 +2801,7 @@
           <p:cNvPr id="3" name="文本占位符 2">
             <a:extLst>
               <a:ext uri="{FF2B5EF4-FFF2-40B4-BE49-F238E27FC236}">
-                <a16:creationId xmlns:a16="http://schemas.microsoft.com/office/drawing/2014/main" id="{2A0B851E-46F2-A360-F42F-5555F105A24F}"/>
+                <a16:creationId xmlns:a16="http://schemas.microsoft.com/office/drawing/2014/main" id="{723B19EA-D4C3-35F0-BF52-80565954521F}"/>
               </a:ext>
             </a:extLst>
           </p:cNvPr>
@@ -2868,7 +2868,7 @@
           <p:cNvPr id="4" name="日期占位符 3">
             <a:extLst>
               <a:ext uri="{FF2B5EF4-FFF2-40B4-BE49-F238E27FC236}">
-                <a16:creationId xmlns:a16="http://schemas.microsoft.com/office/drawing/2014/main" id="{D9359C0F-9FBB-7C82-E5C9-4F8D5CFCCB68}"/>
+                <a16:creationId xmlns:a16="http://schemas.microsoft.com/office/drawing/2014/main" id="{11CB8F14-39C8-541B-5237-A38B638E4A84}"/>
               </a:ext>
             </a:extLst>
           </p:cNvPr>
@@ -2902,7 +2902,7 @@
             </a:lvl1pPr>
           </a:lstStyle>
           <a:p>
-            <a:fld id="{5304C1CE-6683-41E2-8501-F6F32E131772}" type="datetimeFigureOut">
+            <a:fld id="{C1A9C0AE-46A0-4B85-8331-E22A62EA10EC}" type="datetimeFigureOut">
               <a:rPr lang="zh-CN" altLang="en-US" smtClean="0"/>
               <a:t>2024/3/10</a:t>
             </a:fld>
@@ -2915,7 +2915,7 @@
           <p:cNvPr id="5" name="页脚占位符 4">
             <a:extLst>
               <a:ext uri="{FF2B5EF4-FFF2-40B4-BE49-F238E27FC236}">
-                <a16:creationId xmlns:a16="http://schemas.microsoft.com/office/drawing/2014/main" id="{6E0BACE5-4E98-0CC2-36B1-10FF73E7D862}"/>
+                <a16:creationId xmlns:a16="http://schemas.microsoft.com/office/drawing/2014/main" id="{E31FB416-A58E-384F-13F9-E8A862673D78}"/>
               </a:ext>
             </a:extLst>
           </p:cNvPr>
@@ -2958,7 +2958,7 @@
           <p:cNvPr id="6" name="灯片编号占位符 5">
             <a:extLst>
               <a:ext uri="{FF2B5EF4-FFF2-40B4-BE49-F238E27FC236}">
-                <a16:creationId xmlns:a16="http://schemas.microsoft.com/office/drawing/2014/main" id="{89489DE7-A0CA-4667-BBD5-7AEBC7854097}"/>
+                <a16:creationId xmlns:a16="http://schemas.microsoft.com/office/drawing/2014/main" id="{66109B8D-D160-CD45-22B0-43CBD189DBAA}"/>
               </a:ext>
             </a:extLst>
           </p:cNvPr>
@@ -2992,7 +2992,7 @@
             </a:lvl1pPr>
           </a:lstStyle>
           <a:p>
-            <a:fld id="{C01E5E16-7B52-48A5-A7C4-EF7676E6D860}" type="slidenum">
+            <a:fld id="{2BA44464-86BF-421B-877E-B540834C1708}" type="slidenum">
               <a:rPr lang="zh-CN" altLang="en-US" smtClean="0"/>
               <a:t>‹#›</a:t>
             </a:fld>
@@ -3003,7 +3003,7 @@
     </p:spTree>
     <p:extLst>
       <p:ext uri="{BB962C8B-B14F-4D97-AF65-F5344CB8AC3E}">
-        <p14:creationId xmlns:p14="http://schemas.microsoft.com/office/powerpoint/2010/main" val="261719560"/>
+        <p14:creationId xmlns:p14="http://schemas.microsoft.com/office/powerpoint/2010/main" val="3376154052"/>
       </p:ext>
     </p:extLst>
   </p:cSld>
@@ -3323,7 +3323,7 @@
       </p:grpSpPr>
       <p:pic>
         <p:nvPicPr>
-          <p:cNvPr id="241666" name="Picture 2" descr="235"/>
+          <p:cNvPr id="242690" name="Picture 2" descr="236"/>
           <p:cNvPicPr>
             <a:picLocks noChangeAspect="1" noChangeArrowheads="1"/>
           </p:cNvPicPr>
@@ -3345,7 +3345,7 @@
         <p:spPr bwMode="auto">
           <a:xfrm>
             <a:off x="1524000" y="0"/>
-            <a:ext cx="9144000" cy="6859588"/>
+            <a:ext cx="9144000" cy="6858000"/>
           </a:xfrm>
           <a:prstGeom prst="rect">
             <a:avLst/>
